--- a/Presentation.pptx
+++ b/Presentation.pptx
@@ -10495,7 +10495,7 @@
                 </a:solidFill>
                 <a:latin typeface="Avenir Book" panose="02000503020000020003" pitchFamily="2" charset="0"/>
               </a:rPr>
-              <a:t>Why LTSM and GRU? Memory!</a:t>
+              <a:t>Why LSTM and GRU? Memory!</a:t>
             </a:r>
           </a:p>
         </p:txBody>
